--- a/Programmation structurée/P5 - Type de base, Langage Groupe 2/A52 - Présentations/diyae fanoui.pptx
+++ b/Programmation structurée/P5 - Type de base, Langage Groupe 2/A52 - Présentations/diyae fanoui.pptx
@@ -9,6 +9,10 @@
     <p:sldId id="257" r:id="rId3"/>
     <p:sldId id="260" r:id="rId4"/>
     <p:sldId id="262" r:id="rId5"/>
+    <p:sldId id="263" r:id="rId6"/>
+    <p:sldId id="264" r:id="rId7"/>
+    <p:sldId id="265" r:id="rId8"/>
+    <p:sldId id="266" r:id="rId9"/>
   </p:sldIdLst>
   <p:sldSz cx="12192000" cy="6858000"/>
   <p:notesSz cx="6858000" cy="9144000"/>
@@ -108,8 +112,24 @@
     </a:lvl9pPr>
   </p:defaultTextStyle>
   <p:extLst>
+    <p:ext uri="{521415D9-36F7-43E2-AB2F-B90AF26B5E84}">
+      <p14:sectionLst xmlns:p14="http://schemas.microsoft.com/office/powerpoint/2010/main">
+        <p14:section name="Section par défaut" id="{68E033E0-3365-427C-8B7E-D8E62C866E0C}">
+          <p14:sldIdLst>
+            <p14:sldId id="256"/>
+            <p14:sldId id="257"/>
+            <p14:sldId id="260"/>
+            <p14:sldId id="262"/>
+            <p14:sldId id="263"/>
+            <p14:sldId id="264"/>
+            <p14:sldId id="265"/>
+            <p14:sldId id="266"/>
+          </p14:sldIdLst>
+        </p14:section>
+      </p14:sectionLst>
+    </p:ext>
     <p:ext uri="{EFAFB233-063F-42B5-8137-9DF3F51BA10A}">
-      <p15:sldGuideLst xmlns:p15="http://schemas.microsoft.com/office/powerpoint/2012/main"/>
+      <p15:sldGuideLst xmlns:p15="http://schemas.microsoft.com/office/powerpoint/2012/main" xmlns=""/>
     </p:ext>
   </p:extLst>
 </p:presentation>
@@ -137,7 +157,7 @@
           <p:cNvPr id="2" name="Titre 1">
             <a:extLst>
               <a:ext uri="{FF2B5EF4-FFF2-40B4-BE49-F238E27FC236}">
-                <a16:creationId xmlns:a16="http://schemas.microsoft.com/office/drawing/2014/main" id="{B1522A1E-C6B3-4456-A53D-E6E68E2D9993}"/>
+                <a16:creationId xmlns:a16="http://schemas.microsoft.com/office/drawing/2014/main" xmlns="" id="{B1522A1E-C6B3-4456-A53D-E6E68E2D9993}"/>
               </a:ext>
             </a:extLst>
           </p:cNvPr>
@@ -174,7 +194,7 @@
           <p:cNvPr id="3" name="Sous-titre 2">
             <a:extLst>
               <a:ext uri="{FF2B5EF4-FFF2-40B4-BE49-F238E27FC236}">
-                <a16:creationId xmlns:a16="http://schemas.microsoft.com/office/drawing/2014/main" id="{045D352B-2D00-480E-B177-4BB05D18DB46}"/>
+                <a16:creationId xmlns:a16="http://schemas.microsoft.com/office/drawing/2014/main" xmlns="" id="{045D352B-2D00-480E-B177-4BB05D18DB46}"/>
               </a:ext>
             </a:extLst>
           </p:cNvPr>
@@ -244,7 +264,7 @@
           <p:cNvPr id="4" name="Espace réservé de la date 3">
             <a:extLst>
               <a:ext uri="{FF2B5EF4-FFF2-40B4-BE49-F238E27FC236}">
-                <a16:creationId xmlns:a16="http://schemas.microsoft.com/office/drawing/2014/main" id="{2D903E03-E1E6-4BE1-94EA-F6C997189FCE}"/>
+                <a16:creationId xmlns:a16="http://schemas.microsoft.com/office/drawing/2014/main" xmlns="" id="{2D903E03-E1E6-4BE1-94EA-F6C997189FCE}"/>
               </a:ext>
             </a:extLst>
           </p:cNvPr>
@@ -262,7 +282,7 @@
           <a:p>
             <a:fld id="{C0A34A51-D160-4EB9-8770-53FEACE41B14}" type="datetimeFigureOut">
               <a:rPr lang="fr-FR" smtClean="0"/>
-              <a:t>20/09/2019</a:t>
+              <a:t>23/09/2019</a:t>
             </a:fld>
             <a:endParaRPr lang="fr-FR"/>
           </a:p>
@@ -273,7 +293,7 @@
           <p:cNvPr id="5" name="Espace réservé du pied de page 4">
             <a:extLst>
               <a:ext uri="{FF2B5EF4-FFF2-40B4-BE49-F238E27FC236}">
-                <a16:creationId xmlns:a16="http://schemas.microsoft.com/office/drawing/2014/main" id="{8BB8B83F-47BC-4B0E-ACEF-1C73FC8127B9}"/>
+                <a16:creationId xmlns:a16="http://schemas.microsoft.com/office/drawing/2014/main" xmlns="" id="{8BB8B83F-47BC-4B0E-ACEF-1C73FC8127B9}"/>
               </a:ext>
             </a:extLst>
           </p:cNvPr>
@@ -298,7 +318,7 @@
           <p:cNvPr id="6" name="Espace réservé du numéro de diapositive 5">
             <a:extLst>
               <a:ext uri="{FF2B5EF4-FFF2-40B4-BE49-F238E27FC236}">
-                <a16:creationId xmlns:a16="http://schemas.microsoft.com/office/drawing/2014/main" id="{6891E95A-E8E7-4F3A-B2C5-0E82857C5CB3}"/>
+                <a16:creationId xmlns:a16="http://schemas.microsoft.com/office/drawing/2014/main" xmlns="" id="{6891E95A-E8E7-4F3A-B2C5-0E82857C5CB3}"/>
               </a:ext>
             </a:extLst>
           </p:cNvPr>
@@ -357,7 +377,7 @@
           <p:cNvPr id="2" name="Titre 1">
             <a:extLst>
               <a:ext uri="{FF2B5EF4-FFF2-40B4-BE49-F238E27FC236}">
-                <a16:creationId xmlns:a16="http://schemas.microsoft.com/office/drawing/2014/main" id="{372D074D-0082-4B44-A2B0-FA711F7BEDEC}"/>
+                <a16:creationId xmlns:a16="http://schemas.microsoft.com/office/drawing/2014/main" xmlns="" id="{372D074D-0082-4B44-A2B0-FA711F7BEDEC}"/>
               </a:ext>
             </a:extLst>
           </p:cNvPr>
@@ -385,7 +405,7 @@
           <p:cNvPr id="3" name="Espace réservé du texte vertical 2">
             <a:extLst>
               <a:ext uri="{FF2B5EF4-FFF2-40B4-BE49-F238E27FC236}">
-                <a16:creationId xmlns:a16="http://schemas.microsoft.com/office/drawing/2014/main" id="{7D8D1F1C-D828-49B2-9EAF-A9A989592C0E}"/>
+                <a16:creationId xmlns:a16="http://schemas.microsoft.com/office/drawing/2014/main" xmlns="" id="{7D8D1F1C-D828-49B2-9EAF-A9A989592C0E}"/>
               </a:ext>
             </a:extLst>
           </p:cNvPr>
@@ -442,7 +462,7 @@
           <p:cNvPr id="4" name="Espace réservé de la date 3">
             <a:extLst>
               <a:ext uri="{FF2B5EF4-FFF2-40B4-BE49-F238E27FC236}">
-                <a16:creationId xmlns:a16="http://schemas.microsoft.com/office/drawing/2014/main" id="{E6B19C85-DA0A-4174-9396-F7472E556217}"/>
+                <a16:creationId xmlns:a16="http://schemas.microsoft.com/office/drawing/2014/main" xmlns="" id="{E6B19C85-DA0A-4174-9396-F7472E556217}"/>
               </a:ext>
             </a:extLst>
           </p:cNvPr>
@@ -460,7 +480,7 @@
           <a:p>
             <a:fld id="{C0A34A51-D160-4EB9-8770-53FEACE41B14}" type="datetimeFigureOut">
               <a:rPr lang="fr-FR" smtClean="0"/>
-              <a:t>20/09/2019</a:t>
+              <a:t>23/09/2019</a:t>
             </a:fld>
             <a:endParaRPr lang="fr-FR"/>
           </a:p>
@@ -471,7 +491,7 @@
           <p:cNvPr id="5" name="Espace réservé du pied de page 4">
             <a:extLst>
               <a:ext uri="{FF2B5EF4-FFF2-40B4-BE49-F238E27FC236}">
-                <a16:creationId xmlns:a16="http://schemas.microsoft.com/office/drawing/2014/main" id="{2A47FBC6-A625-41B4-B605-915342586A80}"/>
+                <a16:creationId xmlns:a16="http://schemas.microsoft.com/office/drawing/2014/main" xmlns="" id="{2A47FBC6-A625-41B4-B605-915342586A80}"/>
               </a:ext>
             </a:extLst>
           </p:cNvPr>
@@ -496,7 +516,7 @@
           <p:cNvPr id="6" name="Espace réservé du numéro de diapositive 5">
             <a:extLst>
               <a:ext uri="{FF2B5EF4-FFF2-40B4-BE49-F238E27FC236}">
-                <a16:creationId xmlns:a16="http://schemas.microsoft.com/office/drawing/2014/main" id="{3B94D05F-54C1-40B9-ADAA-BC20029A8F04}"/>
+                <a16:creationId xmlns:a16="http://schemas.microsoft.com/office/drawing/2014/main" xmlns="" id="{3B94D05F-54C1-40B9-ADAA-BC20029A8F04}"/>
               </a:ext>
             </a:extLst>
           </p:cNvPr>
@@ -555,7 +575,7 @@
           <p:cNvPr id="2" name="Titre vertical 1">
             <a:extLst>
               <a:ext uri="{FF2B5EF4-FFF2-40B4-BE49-F238E27FC236}">
-                <a16:creationId xmlns:a16="http://schemas.microsoft.com/office/drawing/2014/main" id="{35AE7B7F-C1B8-4426-81C3-062B55AD837D}"/>
+                <a16:creationId xmlns:a16="http://schemas.microsoft.com/office/drawing/2014/main" xmlns="" id="{35AE7B7F-C1B8-4426-81C3-062B55AD837D}"/>
               </a:ext>
             </a:extLst>
           </p:cNvPr>
@@ -588,7 +608,7 @@
           <p:cNvPr id="3" name="Espace réservé du texte vertical 2">
             <a:extLst>
               <a:ext uri="{FF2B5EF4-FFF2-40B4-BE49-F238E27FC236}">
-                <a16:creationId xmlns:a16="http://schemas.microsoft.com/office/drawing/2014/main" id="{1692296D-F190-49F2-95F4-7060F166E88C}"/>
+                <a16:creationId xmlns:a16="http://schemas.microsoft.com/office/drawing/2014/main" xmlns="" id="{1692296D-F190-49F2-95F4-7060F166E88C}"/>
               </a:ext>
             </a:extLst>
           </p:cNvPr>
@@ -650,7 +670,7 @@
           <p:cNvPr id="4" name="Espace réservé de la date 3">
             <a:extLst>
               <a:ext uri="{FF2B5EF4-FFF2-40B4-BE49-F238E27FC236}">
-                <a16:creationId xmlns:a16="http://schemas.microsoft.com/office/drawing/2014/main" id="{5E4913AC-ABAF-4CB8-AE10-208463DAC7DB}"/>
+                <a16:creationId xmlns:a16="http://schemas.microsoft.com/office/drawing/2014/main" xmlns="" id="{5E4913AC-ABAF-4CB8-AE10-208463DAC7DB}"/>
               </a:ext>
             </a:extLst>
           </p:cNvPr>
@@ -668,7 +688,7 @@
           <a:p>
             <a:fld id="{C0A34A51-D160-4EB9-8770-53FEACE41B14}" type="datetimeFigureOut">
               <a:rPr lang="fr-FR" smtClean="0"/>
-              <a:t>20/09/2019</a:t>
+              <a:t>23/09/2019</a:t>
             </a:fld>
             <a:endParaRPr lang="fr-FR"/>
           </a:p>
@@ -679,7 +699,7 @@
           <p:cNvPr id="5" name="Espace réservé du pied de page 4">
             <a:extLst>
               <a:ext uri="{FF2B5EF4-FFF2-40B4-BE49-F238E27FC236}">
-                <a16:creationId xmlns:a16="http://schemas.microsoft.com/office/drawing/2014/main" id="{F5A9CE2C-ACE1-408F-B4EB-5D267249D5E0}"/>
+                <a16:creationId xmlns:a16="http://schemas.microsoft.com/office/drawing/2014/main" xmlns="" id="{F5A9CE2C-ACE1-408F-B4EB-5D267249D5E0}"/>
               </a:ext>
             </a:extLst>
           </p:cNvPr>
@@ -704,7 +724,7 @@
           <p:cNvPr id="6" name="Espace réservé du numéro de diapositive 5">
             <a:extLst>
               <a:ext uri="{FF2B5EF4-FFF2-40B4-BE49-F238E27FC236}">
-                <a16:creationId xmlns:a16="http://schemas.microsoft.com/office/drawing/2014/main" id="{C4EA41A2-0026-4DD0-BE05-9A8CF5525668}"/>
+                <a16:creationId xmlns:a16="http://schemas.microsoft.com/office/drawing/2014/main" xmlns="" id="{C4EA41A2-0026-4DD0-BE05-9A8CF5525668}"/>
               </a:ext>
             </a:extLst>
           </p:cNvPr>
@@ -763,7 +783,7 @@
           <p:cNvPr id="2" name="Titre 1">
             <a:extLst>
               <a:ext uri="{FF2B5EF4-FFF2-40B4-BE49-F238E27FC236}">
-                <a16:creationId xmlns:a16="http://schemas.microsoft.com/office/drawing/2014/main" id="{1429AB1D-1E1E-4657-9CC2-29CDE56B58C4}"/>
+                <a16:creationId xmlns:a16="http://schemas.microsoft.com/office/drawing/2014/main" xmlns="" id="{1429AB1D-1E1E-4657-9CC2-29CDE56B58C4}"/>
               </a:ext>
             </a:extLst>
           </p:cNvPr>
@@ -791,7 +811,7 @@
           <p:cNvPr id="3" name="Espace réservé du contenu 2">
             <a:extLst>
               <a:ext uri="{FF2B5EF4-FFF2-40B4-BE49-F238E27FC236}">
-                <a16:creationId xmlns:a16="http://schemas.microsoft.com/office/drawing/2014/main" id="{3DC56CE5-1F3F-4154-9CFD-8729C1CCD77F}"/>
+                <a16:creationId xmlns:a16="http://schemas.microsoft.com/office/drawing/2014/main" xmlns="" id="{3DC56CE5-1F3F-4154-9CFD-8729C1CCD77F}"/>
               </a:ext>
             </a:extLst>
           </p:cNvPr>
@@ -848,7 +868,7 @@
           <p:cNvPr id="4" name="Espace réservé de la date 3">
             <a:extLst>
               <a:ext uri="{FF2B5EF4-FFF2-40B4-BE49-F238E27FC236}">
-                <a16:creationId xmlns:a16="http://schemas.microsoft.com/office/drawing/2014/main" id="{4BC74625-E8AB-4002-B616-A35D8A4A8DC4}"/>
+                <a16:creationId xmlns:a16="http://schemas.microsoft.com/office/drawing/2014/main" xmlns="" id="{4BC74625-E8AB-4002-B616-A35D8A4A8DC4}"/>
               </a:ext>
             </a:extLst>
           </p:cNvPr>
@@ -866,7 +886,7 @@
           <a:p>
             <a:fld id="{C0A34A51-D160-4EB9-8770-53FEACE41B14}" type="datetimeFigureOut">
               <a:rPr lang="fr-FR" smtClean="0"/>
-              <a:t>20/09/2019</a:t>
+              <a:t>23/09/2019</a:t>
             </a:fld>
             <a:endParaRPr lang="fr-FR"/>
           </a:p>
@@ -877,7 +897,7 @@
           <p:cNvPr id="5" name="Espace réservé du pied de page 4">
             <a:extLst>
               <a:ext uri="{FF2B5EF4-FFF2-40B4-BE49-F238E27FC236}">
-                <a16:creationId xmlns:a16="http://schemas.microsoft.com/office/drawing/2014/main" id="{F71F30C0-1C1D-49CD-9CC6-7AEA81653664}"/>
+                <a16:creationId xmlns:a16="http://schemas.microsoft.com/office/drawing/2014/main" xmlns="" id="{F71F30C0-1C1D-49CD-9CC6-7AEA81653664}"/>
               </a:ext>
             </a:extLst>
           </p:cNvPr>
@@ -902,7 +922,7 @@
           <p:cNvPr id="6" name="Espace réservé du numéro de diapositive 5">
             <a:extLst>
               <a:ext uri="{FF2B5EF4-FFF2-40B4-BE49-F238E27FC236}">
-                <a16:creationId xmlns:a16="http://schemas.microsoft.com/office/drawing/2014/main" id="{B3DCCD91-B005-4054-902E-2E1CCD1AFA4A}"/>
+                <a16:creationId xmlns:a16="http://schemas.microsoft.com/office/drawing/2014/main" xmlns="" id="{B3DCCD91-B005-4054-902E-2E1CCD1AFA4A}"/>
               </a:ext>
             </a:extLst>
           </p:cNvPr>
@@ -961,7 +981,7 @@
           <p:cNvPr id="2" name="Titre 1">
             <a:extLst>
               <a:ext uri="{FF2B5EF4-FFF2-40B4-BE49-F238E27FC236}">
-                <a16:creationId xmlns:a16="http://schemas.microsoft.com/office/drawing/2014/main" id="{3D6B893A-4654-4143-8A99-D164043562F3}"/>
+                <a16:creationId xmlns:a16="http://schemas.microsoft.com/office/drawing/2014/main" xmlns="" id="{3D6B893A-4654-4143-8A99-D164043562F3}"/>
               </a:ext>
             </a:extLst>
           </p:cNvPr>
@@ -998,7 +1018,7 @@
           <p:cNvPr id="3" name="Espace réservé du texte 2">
             <a:extLst>
               <a:ext uri="{FF2B5EF4-FFF2-40B4-BE49-F238E27FC236}">
-                <a16:creationId xmlns:a16="http://schemas.microsoft.com/office/drawing/2014/main" id="{D3062272-C15F-48AE-9193-951F4261AE9E}"/>
+                <a16:creationId xmlns:a16="http://schemas.microsoft.com/office/drawing/2014/main" xmlns="" id="{D3062272-C15F-48AE-9193-951F4261AE9E}"/>
               </a:ext>
             </a:extLst>
           </p:cNvPr>
@@ -1123,7 +1143,7 @@
           <p:cNvPr id="4" name="Espace réservé de la date 3">
             <a:extLst>
               <a:ext uri="{FF2B5EF4-FFF2-40B4-BE49-F238E27FC236}">
-                <a16:creationId xmlns:a16="http://schemas.microsoft.com/office/drawing/2014/main" id="{0F4E6B68-FB31-4242-BEE4-0F7D3B65BB4F}"/>
+                <a16:creationId xmlns:a16="http://schemas.microsoft.com/office/drawing/2014/main" xmlns="" id="{0F4E6B68-FB31-4242-BEE4-0F7D3B65BB4F}"/>
               </a:ext>
             </a:extLst>
           </p:cNvPr>
@@ -1141,7 +1161,7 @@
           <a:p>
             <a:fld id="{C0A34A51-D160-4EB9-8770-53FEACE41B14}" type="datetimeFigureOut">
               <a:rPr lang="fr-FR" smtClean="0"/>
-              <a:t>20/09/2019</a:t>
+              <a:t>23/09/2019</a:t>
             </a:fld>
             <a:endParaRPr lang="fr-FR"/>
           </a:p>
@@ -1152,7 +1172,7 @@
           <p:cNvPr id="5" name="Espace réservé du pied de page 4">
             <a:extLst>
               <a:ext uri="{FF2B5EF4-FFF2-40B4-BE49-F238E27FC236}">
-                <a16:creationId xmlns:a16="http://schemas.microsoft.com/office/drawing/2014/main" id="{31C22F28-23B2-4DD7-948D-97937F8BDCE4}"/>
+                <a16:creationId xmlns:a16="http://schemas.microsoft.com/office/drawing/2014/main" xmlns="" id="{31C22F28-23B2-4DD7-948D-97937F8BDCE4}"/>
               </a:ext>
             </a:extLst>
           </p:cNvPr>
@@ -1177,7 +1197,7 @@
           <p:cNvPr id="6" name="Espace réservé du numéro de diapositive 5">
             <a:extLst>
               <a:ext uri="{FF2B5EF4-FFF2-40B4-BE49-F238E27FC236}">
-                <a16:creationId xmlns:a16="http://schemas.microsoft.com/office/drawing/2014/main" id="{5E810A28-264A-4D77-AB07-FC5C4A90B6C4}"/>
+                <a16:creationId xmlns:a16="http://schemas.microsoft.com/office/drawing/2014/main" xmlns="" id="{5E810A28-264A-4D77-AB07-FC5C4A90B6C4}"/>
               </a:ext>
             </a:extLst>
           </p:cNvPr>
@@ -1236,7 +1256,7 @@
           <p:cNvPr id="2" name="Titre 1">
             <a:extLst>
               <a:ext uri="{FF2B5EF4-FFF2-40B4-BE49-F238E27FC236}">
-                <a16:creationId xmlns:a16="http://schemas.microsoft.com/office/drawing/2014/main" id="{19CF1A73-0D39-4274-801D-49B50CBA97A6}"/>
+                <a16:creationId xmlns:a16="http://schemas.microsoft.com/office/drawing/2014/main" xmlns="" id="{19CF1A73-0D39-4274-801D-49B50CBA97A6}"/>
               </a:ext>
             </a:extLst>
           </p:cNvPr>
@@ -1264,7 +1284,7 @@
           <p:cNvPr id="3" name="Espace réservé du contenu 2">
             <a:extLst>
               <a:ext uri="{FF2B5EF4-FFF2-40B4-BE49-F238E27FC236}">
-                <a16:creationId xmlns:a16="http://schemas.microsoft.com/office/drawing/2014/main" id="{60D27B54-3255-4252-B613-8D7AEA0F61E5}"/>
+                <a16:creationId xmlns:a16="http://schemas.microsoft.com/office/drawing/2014/main" xmlns="" id="{60D27B54-3255-4252-B613-8D7AEA0F61E5}"/>
               </a:ext>
             </a:extLst>
           </p:cNvPr>
@@ -1326,7 +1346,7 @@
           <p:cNvPr id="4" name="Espace réservé du contenu 3">
             <a:extLst>
               <a:ext uri="{FF2B5EF4-FFF2-40B4-BE49-F238E27FC236}">
-                <a16:creationId xmlns:a16="http://schemas.microsoft.com/office/drawing/2014/main" id="{1E632E6A-0530-4F5A-87A6-5B6A38A7023F}"/>
+                <a16:creationId xmlns:a16="http://schemas.microsoft.com/office/drawing/2014/main" xmlns="" id="{1E632E6A-0530-4F5A-87A6-5B6A38A7023F}"/>
               </a:ext>
             </a:extLst>
           </p:cNvPr>
@@ -1388,7 +1408,7 @@
           <p:cNvPr id="5" name="Espace réservé de la date 4">
             <a:extLst>
               <a:ext uri="{FF2B5EF4-FFF2-40B4-BE49-F238E27FC236}">
-                <a16:creationId xmlns:a16="http://schemas.microsoft.com/office/drawing/2014/main" id="{0E145E02-170A-4E60-841A-713A104F3B38}"/>
+                <a16:creationId xmlns:a16="http://schemas.microsoft.com/office/drawing/2014/main" xmlns="" id="{0E145E02-170A-4E60-841A-713A104F3B38}"/>
               </a:ext>
             </a:extLst>
           </p:cNvPr>
@@ -1406,7 +1426,7 @@
           <a:p>
             <a:fld id="{C0A34A51-D160-4EB9-8770-53FEACE41B14}" type="datetimeFigureOut">
               <a:rPr lang="fr-FR" smtClean="0"/>
-              <a:t>20/09/2019</a:t>
+              <a:t>23/09/2019</a:t>
             </a:fld>
             <a:endParaRPr lang="fr-FR"/>
           </a:p>
@@ -1417,7 +1437,7 @@
           <p:cNvPr id="6" name="Espace réservé du pied de page 5">
             <a:extLst>
               <a:ext uri="{FF2B5EF4-FFF2-40B4-BE49-F238E27FC236}">
-                <a16:creationId xmlns:a16="http://schemas.microsoft.com/office/drawing/2014/main" id="{850BB3A4-A233-4163-BA1C-A26FE8B9A928}"/>
+                <a16:creationId xmlns:a16="http://schemas.microsoft.com/office/drawing/2014/main" xmlns="" id="{850BB3A4-A233-4163-BA1C-A26FE8B9A928}"/>
               </a:ext>
             </a:extLst>
           </p:cNvPr>
@@ -1442,7 +1462,7 @@
           <p:cNvPr id="7" name="Espace réservé du numéro de diapositive 6">
             <a:extLst>
               <a:ext uri="{FF2B5EF4-FFF2-40B4-BE49-F238E27FC236}">
-                <a16:creationId xmlns:a16="http://schemas.microsoft.com/office/drawing/2014/main" id="{5324DC6C-5672-4F61-BAED-FD7612B44D4F}"/>
+                <a16:creationId xmlns:a16="http://schemas.microsoft.com/office/drawing/2014/main" xmlns="" id="{5324DC6C-5672-4F61-BAED-FD7612B44D4F}"/>
               </a:ext>
             </a:extLst>
           </p:cNvPr>
@@ -1501,7 +1521,7 @@
           <p:cNvPr id="2" name="Titre 1">
             <a:extLst>
               <a:ext uri="{FF2B5EF4-FFF2-40B4-BE49-F238E27FC236}">
-                <a16:creationId xmlns:a16="http://schemas.microsoft.com/office/drawing/2014/main" id="{D2A4C852-DE60-47DC-8C1B-A6BB6E108C5A}"/>
+                <a16:creationId xmlns:a16="http://schemas.microsoft.com/office/drawing/2014/main" xmlns="" id="{D2A4C852-DE60-47DC-8C1B-A6BB6E108C5A}"/>
               </a:ext>
             </a:extLst>
           </p:cNvPr>
@@ -1534,7 +1554,7 @@
           <p:cNvPr id="3" name="Espace réservé du texte 2">
             <a:extLst>
               <a:ext uri="{FF2B5EF4-FFF2-40B4-BE49-F238E27FC236}">
-                <a16:creationId xmlns:a16="http://schemas.microsoft.com/office/drawing/2014/main" id="{BF8A92CA-393D-4A6E-9E2D-73DAB131F64A}"/>
+                <a16:creationId xmlns:a16="http://schemas.microsoft.com/office/drawing/2014/main" xmlns="" id="{BF8A92CA-393D-4A6E-9E2D-73DAB131F64A}"/>
               </a:ext>
             </a:extLst>
           </p:cNvPr>
@@ -1605,7 +1625,7 @@
           <p:cNvPr id="4" name="Espace réservé du contenu 3">
             <a:extLst>
               <a:ext uri="{FF2B5EF4-FFF2-40B4-BE49-F238E27FC236}">
-                <a16:creationId xmlns:a16="http://schemas.microsoft.com/office/drawing/2014/main" id="{5807D75B-8FD1-4182-B419-C9F54CF162E1}"/>
+                <a16:creationId xmlns:a16="http://schemas.microsoft.com/office/drawing/2014/main" xmlns="" id="{5807D75B-8FD1-4182-B419-C9F54CF162E1}"/>
               </a:ext>
             </a:extLst>
           </p:cNvPr>
@@ -1667,7 +1687,7 @@
           <p:cNvPr id="5" name="Espace réservé du texte 4">
             <a:extLst>
               <a:ext uri="{FF2B5EF4-FFF2-40B4-BE49-F238E27FC236}">
-                <a16:creationId xmlns:a16="http://schemas.microsoft.com/office/drawing/2014/main" id="{F83C18FE-DAAB-4E2A-823B-2CCD0CFA6091}"/>
+                <a16:creationId xmlns:a16="http://schemas.microsoft.com/office/drawing/2014/main" xmlns="" id="{F83C18FE-DAAB-4E2A-823B-2CCD0CFA6091}"/>
               </a:ext>
             </a:extLst>
           </p:cNvPr>
@@ -1738,7 +1758,7 @@
           <p:cNvPr id="6" name="Espace réservé du contenu 5">
             <a:extLst>
               <a:ext uri="{FF2B5EF4-FFF2-40B4-BE49-F238E27FC236}">
-                <a16:creationId xmlns:a16="http://schemas.microsoft.com/office/drawing/2014/main" id="{6F47BA78-8C6C-4A4D-9DFD-AEF76D34BFB5}"/>
+                <a16:creationId xmlns:a16="http://schemas.microsoft.com/office/drawing/2014/main" xmlns="" id="{6F47BA78-8C6C-4A4D-9DFD-AEF76D34BFB5}"/>
               </a:ext>
             </a:extLst>
           </p:cNvPr>
@@ -1800,7 +1820,7 @@
           <p:cNvPr id="7" name="Espace réservé de la date 6">
             <a:extLst>
               <a:ext uri="{FF2B5EF4-FFF2-40B4-BE49-F238E27FC236}">
-                <a16:creationId xmlns:a16="http://schemas.microsoft.com/office/drawing/2014/main" id="{02F9EBFE-831E-4A37-9F2F-C1B9912D24C1}"/>
+                <a16:creationId xmlns:a16="http://schemas.microsoft.com/office/drawing/2014/main" xmlns="" id="{02F9EBFE-831E-4A37-9F2F-C1B9912D24C1}"/>
               </a:ext>
             </a:extLst>
           </p:cNvPr>
@@ -1818,7 +1838,7 @@
           <a:p>
             <a:fld id="{C0A34A51-D160-4EB9-8770-53FEACE41B14}" type="datetimeFigureOut">
               <a:rPr lang="fr-FR" smtClean="0"/>
-              <a:t>20/09/2019</a:t>
+              <a:t>23/09/2019</a:t>
             </a:fld>
             <a:endParaRPr lang="fr-FR"/>
           </a:p>
@@ -1829,7 +1849,7 @@
           <p:cNvPr id="8" name="Espace réservé du pied de page 7">
             <a:extLst>
               <a:ext uri="{FF2B5EF4-FFF2-40B4-BE49-F238E27FC236}">
-                <a16:creationId xmlns:a16="http://schemas.microsoft.com/office/drawing/2014/main" id="{DA5C5DD2-B23E-40CA-84E4-207008B29A4A}"/>
+                <a16:creationId xmlns:a16="http://schemas.microsoft.com/office/drawing/2014/main" xmlns="" id="{DA5C5DD2-B23E-40CA-84E4-207008B29A4A}"/>
               </a:ext>
             </a:extLst>
           </p:cNvPr>
@@ -1854,7 +1874,7 @@
           <p:cNvPr id="9" name="Espace réservé du numéro de diapositive 8">
             <a:extLst>
               <a:ext uri="{FF2B5EF4-FFF2-40B4-BE49-F238E27FC236}">
-                <a16:creationId xmlns:a16="http://schemas.microsoft.com/office/drawing/2014/main" id="{90F2AF69-7F58-4E6B-B434-1899B44EB405}"/>
+                <a16:creationId xmlns:a16="http://schemas.microsoft.com/office/drawing/2014/main" xmlns="" id="{90F2AF69-7F58-4E6B-B434-1899B44EB405}"/>
               </a:ext>
             </a:extLst>
           </p:cNvPr>
@@ -1913,7 +1933,7 @@
           <p:cNvPr id="2" name="Titre 1">
             <a:extLst>
               <a:ext uri="{FF2B5EF4-FFF2-40B4-BE49-F238E27FC236}">
-                <a16:creationId xmlns:a16="http://schemas.microsoft.com/office/drawing/2014/main" id="{1D082038-125F-479D-A393-101B078FEBD9}"/>
+                <a16:creationId xmlns:a16="http://schemas.microsoft.com/office/drawing/2014/main" xmlns="" id="{1D082038-125F-479D-A393-101B078FEBD9}"/>
               </a:ext>
             </a:extLst>
           </p:cNvPr>
@@ -1941,7 +1961,7 @@
           <p:cNvPr id="3" name="Espace réservé de la date 2">
             <a:extLst>
               <a:ext uri="{FF2B5EF4-FFF2-40B4-BE49-F238E27FC236}">
-                <a16:creationId xmlns:a16="http://schemas.microsoft.com/office/drawing/2014/main" id="{F4CCB1C6-FD1A-411F-9F61-A69B9FBEA022}"/>
+                <a16:creationId xmlns:a16="http://schemas.microsoft.com/office/drawing/2014/main" xmlns="" id="{F4CCB1C6-FD1A-411F-9F61-A69B9FBEA022}"/>
               </a:ext>
             </a:extLst>
           </p:cNvPr>
@@ -1959,7 +1979,7 @@
           <a:p>
             <a:fld id="{C0A34A51-D160-4EB9-8770-53FEACE41B14}" type="datetimeFigureOut">
               <a:rPr lang="fr-FR" smtClean="0"/>
-              <a:t>20/09/2019</a:t>
+              <a:t>23/09/2019</a:t>
             </a:fld>
             <a:endParaRPr lang="fr-FR"/>
           </a:p>
@@ -1970,7 +1990,7 @@
           <p:cNvPr id="4" name="Espace réservé du pied de page 3">
             <a:extLst>
               <a:ext uri="{FF2B5EF4-FFF2-40B4-BE49-F238E27FC236}">
-                <a16:creationId xmlns:a16="http://schemas.microsoft.com/office/drawing/2014/main" id="{B9D1FA41-A158-4EFA-813E-D9BC12706674}"/>
+                <a16:creationId xmlns:a16="http://schemas.microsoft.com/office/drawing/2014/main" xmlns="" id="{B9D1FA41-A158-4EFA-813E-D9BC12706674}"/>
               </a:ext>
             </a:extLst>
           </p:cNvPr>
@@ -1995,7 +2015,7 @@
           <p:cNvPr id="5" name="Espace réservé du numéro de diapositive 4">
             <a:extLst>
               <a:ext uri="{FF2B5EF4-FFF2-40B4-BE49-F238E27FC236}">
-                <a16:creationId xmlns:a16="http://schemas.microsoft.com/office/drawing/2014/main" id="{8CB183E6-6252-4FBE-870E-E0D72C241641}"/>
+                <a16:creationId xmlns:a16="http://schemas.microsoft.com/office/drawing/2014/main" xmlns="" id="{8CB183E6-6252-4FBE-870E-E0D72C241641}"/>
               </a:ext>
             </a:extLst>
           </p:cNvPr>
@@ -2054,7 +2074,7 @@
           <p:cNvPr id="2" name="Espace réservé de la date 1">
             <a:extLst>
               <a:ext uri="{FF2B5EF4-FFF2-40B4-BE49-F238E27FC236}">
-                <a16:creationId xmlns:a16="http://schemas.microsoft.com/office/drawing/2014/main" id="{AEE44946-CC7B-41D4-8974-C1C5E24EA066}"/>
+                <a16:creationId xmlns:a16="http://schemas.microsoft.com/office/drawing/2014/main" xmlns="" id="{AEE44946-CC7B-41D4-8974-C1C5E24EA066}"/>
               </a:ext>
             </a:extLst>
           </p:cNvPr>
@@ -2072,7 +2092,7 @@
           <a:p>
             <a:fld id="{C0A34A51-D160-4EB9-8770-53FEACE41B14}" type="datetimeFigureOut">
               <a:rPr lang="fr-FR" smtClean="0"/>
-              <a:t>20/09/2019</a:t>
+              <a:t>23/09/2019</a:t>
             </a:fld>
             <a:endParaRPr lang="fr-FR"/>
           </a:p>
@@ -2083,7 +2103,7 @@
           <p:cNvPr id="3" name="Espace réservé du pied de page 2">
             <a:extLst>
               <a:ext uri="{FF2B5EF4-FFF2-40B4-BE49-F238E27FC236}">
-                <a16:creationId xmlns:a16="http://schemas.microsoft.com/office/drawing/2014/main" id="{59DE6BCF-78D5-4EA2-9E98-97FD91B6D893}"/>
+                <a16:creationId xmlns:a16="http://schemas.microsoft.com/office/drawing/2014/main" xmlns="" id="{59DE6BCF-78D5-4EA2-9E98-97FD91B6D893}"/>
               </a:ext>
             </a:extLst>
           </p:cNvPr>
@@ -2108,7 +2128,7 @@
           <p:cNvPr id="4" name="Espace réservé du numéro de diapositive 3">
             <a:extLst>
               <a:ext uri="{FF2B5EF4-FFF2-40B4-BE49-F238E27FC236}">
-                <a16:creationId xmlns:a16="http://schemas.microsoft.com/office/drawing/2014/main" id="{8BE36A23-A224-436B-BD7A-CADC15CB9E24}"/>
+                <a16:creationId xmlns:a16="http://schemas.microsoft.com/office/drawing/2014/main" xmlns="" id="{8BE36A23-A224-436B-BD7A-CADC15CB9E24}"/>
               </a:ext>
             </a:extLst>
           </p:cNvPr>
@@ -2167,7 +2187,7 @@
           <p:cNvPr id="2" name="Titre 1">
             <a:extLst>
               <a:ext uri="{FF2B5EF4-FFF2-40B4-BE49-F238E27FC236}">
-                <a16:creationId xmlns:a16="http://schemas.microsoft.com/office/drawing/2014/main" id="{D5A7FEF0-12F9-40A3-BE3A-8306C9F470DB}"/>
+                <a16:creationId xmlns:a16="http://schemas.microsoft.com/office/drawing/2014/main" xmlns="" id="{D5A7FEF0-12F9-40A3-BE3A-8306C9F470DB}"/>
               </a:ext>
             </a:extLst>
           </p:cNvPr>
@@ -2204,7 +2224,7 @@
           <p:cNvPr id="3" name="Espace réservé du contenu 2">
             <a:extLst>
               <a:ext uri="{FF2B5EF4-FFF2-40B4-BE49-F238E27FC236}">
-                <a16:creationId xmlns:a16="http://schemas.microsoft.com/office/drawing/2014/main" id="{99CD49CA-27C0-4264-BE95-1136F133F95C}"/>
+                <a16:creationId xmlns:a16="http://schemas.microsoft.com/office/drawing/2014/main" xmlns="" id="{99CD49CA-27C0-4264-BE95-1136F133F95C}"/>
               </a:ext>
             </a:extLst>
           </p:cNvPr>
@@ -2294,7 +2314,7 @@
           <p:cNvPr id="4" name="Espace réservé du texte 3">
             <a:extLst>
               <a:ext uri="{FF2B5EF4-FFF2-40B4-BE49-F238E27FC236}">
-                <a16:creationId xmlns:a16="http://schemas.microsoft.com/office/drawing/2014/main" id="{8D877607-B924-4E90-9D71-51132FD26919}"/>
+                <a16:creationId xmlns:a16="http://schemas.microsoft.com/office/drawing/2014/main" xmlns="" id="{8D877607-B924-4E90-9D71-51132FD26919}"/>
               </a:ext>
             </a:extLst>
           </p:cNvPr>
@@ -2365,7 +2385,7 @@
           <p:cNvPr id="5" name="Espace réservé de la date 4">
             <a:extLst>
               <a:ext uri="{FF2B5EF4-FFF2-40B4-BE49-F238E27FC236}">
-                <a16:creationId xmlns:a16="http://schemas.microsoft.com/office/drawing/2014/main" id="{79BFB060-31EF-4FD2-899D-17F78AE11623}"/>
+                <a16:creationId xmlns:a16="http://schemas.microsoft.com/office/drawing/2014/main" xmlns="" id="{79BFB060-31EF-4FD2-899D-17F78AE11623}"/>
               </a:ext>
             </a:extLst>
           </p:cNvPr>
@@ -2383,7 +2403,7 @@
           <a:p>
             <a:fld id="{C0A34A51-D160-4EB9-8770-53FEACE41B14}" type="datetimeFigureOut">
               <a:rPr lang="fr-FR" smtClean="0"/>
-              <a:t>20/09/2019</a:t>
+              <a:t>23/09/2019</a:t>
             </a:fld>
             <a:endParaRPr lang="fr-FR"/>
           </a:p>
@@ -2394,7 +2414,7 @@
           <p:cNvPr id="6" name="Espace réservé du pied de page 5">
             <a:extLst>
               <a:ext uri="{FF2B5EF4-FFF2-40B4-BE49-F238E27FC236}">
-                <a16:creationId xmlns:a16="http://schemas.microsoft.com/office/drawing/2014/main" id="{65D06807-C151-47FB-8B4E-C74876A6B140}"/>
+                <a16:creationId xmlns:a16="http://schemas.microsoft.com/office/drawing/2014/main" xmlns="" id="{65D06807-C151-47FB-8B4E-C74876A6B140}"/>
               </a:ext>
             </a:extLst>
           </p:cNvPr>
@@ -2419,7 +2439,7 @@
           <p:cNvPr id="7" name="Espace réservé du numéro de diapositive 6">
             <a:extLst>
               <a:ext uri="{FF2B5EF4-FFF2-40B4-BE49-F238E27FC236}">
-                <a16:creationId xmlns:a16="http://schemas.microsoft.com/office/drawing/2014/main" id="{36B4EB60-C60C-465D-810F-F3A5A0BDA5FC}"/>
+                <a16:creationId xmlns:a16="http://schemas.microsoft.com/office/drawing/2014/main" xmlns="" id="{36B4EB60-C60C-465D-810F-F3A5A0BDA5FC}"/>
               </a:ext>
             </a:extLst>
           </p:cNvPr>
@@ -2478,7 +2498,7 @@
           <p:cNvPr id="2" name="Titre 1">
             <a:extLst>
               <a:ext uri="{FF2B5EF4-FFF2-40B4-BE49-F238E27FC236}">
-                <a16:creationId xmlns:a16="http://schemas.microsoft.com/office/drawing/2014/main" id="{5107099E-2EE4-4738-A915-7B75D2FF62F4}"/>
+                <a16:creationId xmlns:a16="http://schemas.microsoft.com/office/drawing/2014/main" xmlns="" id="{5107099E-2EE4-4738-A915-7B75D2FF62F4}"/>
               </a:ext>
             </a:extLst>
           </p:cNvPr>
@@ -2515,7 +2535,7 @@
           <p:cNvPr id="3" name="Espace réservé pour une image  2">
             <a:extLst>
               <a:ext uri="{FF2B5EF4-FFF2-40B4-BE49-F238E27FC236}">
-                <a16:creationId xmlns:a16="http://schemas.microsoft.com/office/drawing/2014/main" id="{3023E435-FA24-4751-A55B-793F2BDC1DB1}"/>
+                <a16:creationId xmlns:a16="http://schemas.microsoft.com/office/drawing/2014/main" xmlns="" id="{3023E435-FA24-4751-A55B-793F2BDC1DB1}"/>
               </a:ext>
             </a:extLst>
           </p:cNvPr>
@@ -2582,7 +2602,7 @@
           <p:cNvPr id="4" name="Espace réservé du texte 3">
             <a:extLst>
               <a:ext uri="{FF2B5EF4-FFF2-40B4-BE49-F238E27FC236}">
-                <a16:creationId xmlns:a16="http://schemas.microsoft.com/office/drawing/2014/main" id="{FE16C4D9-100C-4A68-A1F8-93642D9CB177}"/>
+                <a16:creationId xmlns:a16="http://schemas.microsoft.com/office/drawing/2014/main" xmlns="" id="{FE16C4D9-100C-4A68-A1F8-93642D9CB177}"/>
               </a:ext>
             </a:extLst>
           </p:cNvPr>
@@ -2653,7 +2673,7 @@
           <p:cNvPr id="5" name="Espace réservé de la date 4">
             <a:extLst>
               <a:ext uri="{FF2B5EF4-FFF2-40B4-BE49-F238E27FC236}">
-                <a16:creationId xmlns:a16="http://schemas.microsoft.com/office/drawing/2014/main" id="{493E1F0E-2131-4CCF-9554-277C84B9B863}"/>
+                <a16:creationId xmlns:a16="http://schemas.microsoft.com/office/drawing/2014/main" xmlns="" id="{493E1F0E-2131-4CCF-9554-277C84B9B863}"/>
               </a:ext>
             </a:extLst>
           </p:cNvPr>
@@ -2671,7 +2691,7 @@
           <a:p>
             <a:fld id="{C0A34A51-D160-4EB9-8770-53FEACE41B14}" type="datetimeFigureOut">
               <a:rPr lang="fr-FR" smtClean="0"/>
-              <a:t>20/09/2019</a:t>
+              <a:t>23/09/2019</a:t>
             </a:fld>
             <a:endParaRPr lang="fr-FR"/>
           </a:p>
@@ -2682,7 +2702,7 @@
           <p:cNvPr id="6" name="Espace réservé du pied de page 5">
             <a:extLst>
               <a:ext uri="{FF2B5EF4-FFF2-40B4-BE49-F238E27FC236}">
-                <a16:creationId xmlns:a16="http://schemas.microsoft.com/office/drawing/2014/main" id="{00C25101-A67A-4D86-ADFA-46A020828B31}"/>
+                <a16:creationId xmlns:a16="http://schemas.microsoft.com/office/drawing/2014/main" xmlns="" id="{00C25101-A67A-4D86-ADFA-46A020828B31}"/>
               </a:ext>
             </a:extLst>
           </p:cNvPr>
@@ -2707,7 +2727,7 @@
           <p:cNvPr id="7" name="Espace réservé du numéro de diapositive 6">
             <a:extLst>
               <a:ext uri="{FF2B5EF4-FFF2-40B4-BE49-F238E27FC236}">
-                <a16:creationId xmlns:a16="http://schemas.microsoft.com/office/drawing/2014/main" id="{9E417E7D-52CE-4B3F-9B4F-5D4F0FC733A5}"/>
+                <a16:creationId xmlns:a16="http://schemas.microsoft.com/office/drawing/2014/main" xmlns="" id="{9E417E7D-52CE-4B3F-9B4F-5D4F0FC733A5}"/>
               </a:ext>
             </a:extLst>
           </p:cNvPr>
@@ -2771,7 +2791,7 @@
           <p:cNvPr id="2" name="Espace réservé du titre 1">
             <a:extLst>
               <a:ext uri="{FF2B5EF4-FFF2-40B4-BE49-F238E27FC236}">
-                <a16:creationId xmlns:a16="http://schemas.microsoft.com/office/drawing/2014/main" id="{6BAA29A7-FC88-4B83-B7CF-CA3B56F74F19}"/>
+                <a16:creationId xmlns:a16="http://schemas.microsoft.com/office/drawing/2014/main" xmlns="" id="{6BAA29A7-FC88-4B83-B7CF-CA3B56F74F19}"/>
               </a:ext>
             </a:extLst>
           </p:cNvPr>
@@ -2809,7 +2829,7 @@
           <p:cNvPr id="3" name="Espace réservé du texte 2">
             <a:extLst>
               <a:ext uri="{FF2B5EF4-FFF2-40B4-BE49-F238E27FC236}">
-                <a16:creationId xmlns:a16="http://schemas.microsoft.com/office/drawing/2014/main" id="{A3E5695A-FBCD-408F-B1FA-9D1C22447181}"/>
+                <a16:creationId xmlns:a16="http://schemas.microsoft.com/office/drawing/2014/main" xmlns="" id="{A3E5695A-FBCD-408F-B1FA-9D1C22447181}"/>
               </a:ext>
             </a:extLst>
           </p:cNvPr>
@@ -2876,7 +2896,7 @@
           <p:cNvPr id="4" name="Espace réservé de la date 3">
             <a:extLst>
               <a:ext uri="{FF2B5EF4-FFF2-40B4-BE49-F238E27FC236}">
-                <a16:creationId xmlns:a16="http://schemas.microsoft.com/office/drawing/2014/main" id="{D2E2FE04-9D6A-4840-8CFC-9458B35830D7}"/>
+                <a16:creationId xmlns:a16="http://schemas.microsoft.com/office/drawing/2014/main" xmlns="" id="{D2E2FE04-9D6A-4840-8CFC-9458B35830D7}"/>
               </a:ext>
             </a:extLst>
           </p:cNvPr>
@@ -2912,7 +2932,7 @@
           <a:p>
             <a:fld id="{C0A34A51-D160-4EB9-8770-53FEACE41B14}" type="datetimeFigureOut">
               <a:rPr lang="fr-FR" smtClean="0"/>
-              <a:t>20/09/2019</a:t>
+              <a:t>23/09/2019</a:t>
             </a:fld>
             <a:endParaRPr lang="fr-FR"/>
           </a:p>
@@ -2923,7 +2943,7 @@
           <p:cNvPr id="5" name="Espace réservé du pied de page 4">
             <a:extLst>
               <a:ext uri="{FF2B5EF4-FFF2-40B4-BE49-F238E27FC236}">
-                <a16:creationId xmlns:a16="http://schemas.microsoft.com/office/drawing/2014/main" id="{DBFC0A28-201F-4BC0-9A48-DE24C7CACA6C}"/>
+                <a16:creationId xmlns:a16="http://schemas.microsoft.com/office/drawing/2014/main" xmlns="" id="{DBFC0A28-201F-4BC0-9A48-DE24C7CACA6C}"/>
               </a:ext>
             </a:extLst>
           </p:cNvPr>
@@ -2966,7 +2986,7 @@
           <p:cNvPr id="6" name="Espace réservé du numéro de diapositive 5">
             <a:extLst>
               <a:ext uri="{FF2B5EF4-FFF2-40B4-BE49-F238E27FC236}">
-                <a16:creationId xmlns:a16="http://schemas.microsoft.com/office/drawing/2014/main" id="{B43BCC32-9467-4489-A3DB-B8705E49BAC5}"/>
+                <a16:creationId xmlns:a16="http://schemas.microsoft.com/office/drawing/2014/main" xmlns="" id="{B43BCC32-9467-4489-A3DB-B8705E49BAC5}"/>
               </a:ext>
             </a:extLst>
           </p:cNvPr>
@@ -3334,7 +3354,7 @@
           <p:cNvPr id="2" name="Titre 1">
             <a:extLst>
               <a:ext uri="{FF2B5EF4-FFF2-40B4-BE49-F238E27FC236}">
-                <a16:creationId xmlns:a16="http://schemas.microsoft.com/office/drawing/2014/main" id="{F1407091-E18D-4A95-86BE-DA5EF4E7BDF9}"/>
+                <a16:creationId xmlns:a16="http://schemas.microsoft.com/office/drawing/2014/main" xmlns="" id="{F1407091-E18D-4A95-86BE-DA5EF4E7BDF9}"/>
               </a:ext>
             </a:extLst>
           </p:cNvPr>
@@ -3367,7 +3387,7 @@
           <p:cNvPr id="3" name="Sous-titre 2">
             <a:extLst>
               <a:ext uri="{FF2B5EF4-FFF2-40B4-BE49-F238E27FC236}">
-                <a16:creationId xmlns:a16="http://schemas.microsoft.com/office/drawing/2014/main" id="{3066DE64-5A46-489A-8BC3-06630E3EE847}"/>
+                <a16:creationId xmlns:a16="http://schemas.microsoft.com/office/drawing/2014/main" xmlns="" id="{3066DE64-5A46-489A-8BC3-06630E3EE847}"/>
               </a:ext>
             </a:extLst>
           </p:cNvPr>
@@ -3441,7 +3461,7 @@
           <p:cNvPr id="2" name="Titre 1">
             <a:extLst>
               <a:ext uri="{FF2B5EF4-FFF2-40B4-BE49-F238E27FC236}">
-                <a16:creationId xmlns:a16="http://schemas.microsoft.com/office/drawing/2014/main" id="{1CB6F311-8DB9-4EAC-A911-F101DD04DD5E}"/>
+                <a16:creationId xmlns:a16="http://schemas.microsoft.com/office/drawing/2014/main" xmlns="" id="{1CB6F311-8DB9-4EAC-A911-F101DD04DD5E}"/>
               </a:ext>
             </a:extLst>
           </p:cNvPr>
@@ -3471,7 +3491,7 @@
           <p:cNvPr id="3" name="Espace réservé du contenu 2">
             <a:extLst>
               <a:ext uri="{FF2B5EF4-FFF2-40B4-BE49-F238E27FC236}">
-                <a16:creationId xmlns:a16="http://schemas.microsoft.com/office/drawing/2014/main" id="{79E975B5-9CCA-4F27-8715-5F38E9A6299E}"/>
+                <a16:creationId xmlns:a16="http://schemas.microsoft.com/office/drawing/2014/main" xmlns="" id="{79E975B5-9CCA-4F27-8715-5F38E9A6299E}"/>
               </a:ext>
             </a:extLst>
           </p:cNvPr>
@@ -3676,7 +3696,7 @@
           <p:cNvPr id="2" name="Tableau 3">
             <a:extLst>
               <a:ext uri="{FF2B5EF4-FFF2-40B4-BE49-F238E27FC236}">
-                <a16:creationId xmlns:a16="http://schemas.microsoft.com/office/drawing/2014/main" id="{3290096A-1D68-456A-8EA2-9C1563A23B32}"/>
+                <a16:creationId xmlns:a16="http://schemas.microsoft.com/office/drawing/2014/main" xmlns="" id="{3290096A-1D68-456A-8EA2-9C1563A23B32}"/>
               </a:ext>
             </a:extLst>
           </p:cNvPr>
@@ -3706,14 +3726,14 @@
                 <a:gridCol w="5620044">
                   <a:extLst>
                     <a:ext uri="{9D8B030D-6E8A-4147-A177-3AD203B41FA5}">
-                      <a16:colId xmlns:a16="http://schemas.microsoft.com/office/drawing/2014/main" val="2792959021"/>
+                      <a16:colId xmlns:a16="http://schemas.microsoft.com/office/drawing/2014/main" xmlns="" val="2792959021"/>
                     </a:ext>
                   </a:extLst>
                 </a:gridCol>
                 <a:gridCol w="5620044">
                   <a:extLst>
                     <a:ext uri="{9D8B030D-6E8A-4147-A177-3AD203B41FA5}">
-                      <a16:colId xmlns:a16="http://schemas.microsoft.com/office/drawing/2014/main" val="3957267614"/>
+                      <a16:colId xmlns:a16="http://schemas.microsoft.com/office/drawing/2014/main" xmlns="" val="3957267614"/>
                     </a:ext>
                   </a:extLst>
                 </a:gridCol>
@@ -3747,7 +3767,7 @@
                 </a:tc>
                 <a:extLst>
                   <a:ext uri="{0D108BD9-81ED-4DB2-BD59-A6C34878D82A}">
-                    <a16:rowId xmlns:a16="http://schemas.microsoft.com/office/drawing/2014/main" val="2928011372"/>
+                    <a16:rowId xmlns:a16="http://schemas.microsoft.com/office/drawing/2014/main" xmlns="" val="2928011372"/>
                   </a:ext>
                 </a:extLst>
               </a:tr>
@@ -3845,7 +3865,7 @@
                 </a:tc>
                 <a:extLst>
                   <a:ext uri="{0D108BD9-81ED-4DB2-BD59-A6C34878D82A}">
-                    <a16:rowId xmlns:a16="http://schemas.microsoft.com/office/drawing/2014/main" val="1341757389"/>
+                    <a16:rowId xmlns:a16="http://schemas.microsoft.com/office/drawing/2014/main" xmlns="" val="1341757389"/>
                   </a:ext>
                 </a:extLst>
               </a:tr>
@@ -3946,7 +3966,7 @@
                 </a:tc>
                 <a:extLst>
                   <a:ext uri="{0D108BD9-81ED-4DB2-BD59-A6C34878D82A}">
-                    <a16:rowId xmlns:a16="http://schemas.microsoft.com/office/drawing/2014/main" val="3189359845"/>
+                    <a16:rowId xmlns:a16="http://schemas.microsoft.com/office/drawing/2014/main" xmlns="" val="3189359845"/>
                   </a:ext>
                 </a:extLst>
               </a:tr>
@@ -4055,7 +4075,7 @@
                 </a:tc>
                 <a:extLst>
                   <a:ext uri="{0D108BD9-81ED-4DB2-BD59-A6C34878D82A}">
-                    <a16:rowId xmlns:a16="http://schemas.microsoft.com/office/drawing/2014/main" val="604026092"/>
+                    <a16:rowId xmlns:a16="http://schemas.microsoft.com/office/drawing/2014/main" xmlns="" val="604026092"/>
                   </a:ext>
                 </a:extLst>
               </a:tr>
@@ -4157,7 +4177,7 @@
                 </a:tc>
                 <a:extLst>
                   <a:ext uri="{0D108BD9-81ED-4DB2-BD59-A6C34878D82A}">
-                    <a16:rowId xmlns:a16="http://schemas.microsoft.com/office/drawing/2014/main" val="2732261948"/>
+                    <a16:rowId xmlns:a16="http://schemas.microsoft.com/office/drawing/2014/main" xmlns="" val="2732261948"/>
                   </a:ext>
                 </a:extLst>
               </a:tr>
@@ -4200,7 +4220,7 @@
           <p:cNvPr id="2" name="Image 1">
             <a:extLst>
               <a:ext uri="{FF2B5EF4-FFF2-40B4-BE49-F238E27FC236}">
-                <a16:creationId xmlns:a16="http://schemas.microsoft.com/office/drawing/2014/main" id="{07B5D4F4-D411-409F-BDD0-4CF5FE78B920}"/>
+                <a16:creationId xmlns:a16="http://schemas.microsoft.com/office/drawing/2014/main" xmlns="" id="{07B5D4F4-D411-409F-BDD0-4CF5FE78B920}"/>
               </a:ext>
             </a:extLst>
           </p:cNvPr>
@@ -4235,6 +4255,395 @@
     <p:extLst>
       <p:ext uri="{BB962C8B-B14F-4D97-AF65-F5344CB8AC3E}">
         <p14:creationId xmlns:p14="http://schemas.microsoft.com/office/powerpoint/2010/main" val="2391668127"/>
+      </p:ext>
+    </p:extLst>
+  </p:cSld>
+  <p:clrMapOvr>
+    <a:masterClrMapping/>
+  </p:clrMapOvr>
+</p:sld>
+</file>
+
+<file path=ppt/slides/slide5.xml><?xml version="1.0" encoding="utf-8"?>
+<p:sld xmlns:a="http://schemas.openxmlformats.org/drawingml/2006/main" xmlns:r="http://schemas.openxmlformats.org/officeDocument/2006/relationships" xmlns:p="http://schemas.openxmlformats.org/presentationml/2006/main">
+  <p:cSld>
+    <p:spTree>
+      <p:nvGrpSpPr>
+        <p:cNvPr id="1" name=""/>
+        <p:cNvGrpSpPr/>
+        <p:nvPr/>
+      </p:nvGrpSpPr>
+      <p:grpSpPr>
+        <a:xfrm>
+          <a:off x="0" y="0"/>
+          <a:ext cx="0" cy="0"/>
+          <a:chOff x="0" y="0"/>
+          <a:chExt cx="0" cy="0"/>
+        </a:xfrm>
+      </p:grpSpPr>
+      <p:sp>
+        <p:nvSpPr>
+          <p:cNvPr id="2" name="Titre 1"/>
+          <p:cNvSpPr>
+            <a:spLocks noGrp="1"/>
+          </p:cNvSpPr>
+          <p:nvPr>
+            <p:ph type="title"/>
+          </p:nvPr>
+        </p:nvSpPr>
+        <p:spPr>
+          <a:xfrm>
+            <a:off x="838200" y="365125"/>
+            <a:ext cx="10515600" cy="895639"/>
+          </a:xfrm>
+        </p:spPr>
+        <p:txBody>
+          <a:bodyPr>
+            <a:normAutofit fontScale="90000"/>
+          </a:bodyPr>
+          <a:lstStyle/>
+          <a:p>
+            <a:pPr lvl="0"/>
+            <a:r>
+              <a:rPr lang="fr-FR" b="1" dirty="0"/>
+              <a:t>Entier :</a:t>
+            </a:r>
+            <a:br>
+              <a:rPr lang="fr-FR" b="1" dirty="0"/>
+            </a:br>
+            <a:endParaRPr lang="fr-FR" dirty="0"/>
+          </a:p>
+        </p:txBody>
+      </p:sp>
+      <p:pic>
+        <p:nvPicPr>
+          <p:cNvPr id="7" name="Image 6"/>
+          <p:cNvPicPr>
+            <a:picLocks noChangeAspect="1"/>
+          </p:cNvPicPr>
+          <p:nvPr/>
+        </p:nvPicPr>
+        <p:blipFill>
+          <a:blip r:embed="rId2">
+            <a:extLst>
+              <a:ext uri="{28A0092B-C50C-407E-A947-70E740481C1C}">
+                <a14:useLocalDpi xmlns:a14="http://schemas.microsoft.com/office/drawing/2010/main" val="0"/>
+              </a:ext>
+            </a:extLst>
+          </a:blip>
+          <a:stretch>
+            <a:fillRect/>
+          </a:stretch>
+        </p:blipFill>
+        <p:spPr>
+          <a:xfrm>
+            <a:off x="244104" y="1046325"/>
+            <a:ext cx="11809351" cy="5215930"/>
+          </a:xfrm>
+          <a:prstGeom prst="rect">
+            <a:avLst/>
+          </a:prstGeom>
+        </p:spPr>
+      </p:pic>
+    </p:spTree>
+    <p:extLst>
+      <p:ext uri="{BB962C8B-B14F-4D97-AF65-F5344CB8AC3E}">
+        <p14:creationId xmlns:p14="http://schemas.microsoft.com/office/powerpoint/2010/main" val="2688302882"/>
+      </p:ext>
+    </p:extLst>
+  </p:cSld>
+  <p:clrMapOvr>
+    <a:masterClrMapping/>
+  </p:clrMapOvr>
+</p:sld>
+</file>
+
+<file path=ppt/slides/slide6.xml><?xml version="1.0" encoding="utf-8"?>
+<p:sld xmlns:a="http://schemas.openxmlformats.org/drawingml/2006/main" xmlns:r="http://schemas.openxmlformats.org/officeDocument/2006/relationships" xmlns:p="http://schemas.openxmlformats.org/presentationml/2006/main">
+  <p:cSld>
+    <p:spTree>
+      <p:nvGrpSpPr>
+        <p:cNvPr id="1" name=""/>
+        <p:cNvGrpSpPr/>
+        <p:nvPr/>
+      </p:nvGrpSpPr>
+      <p:grpSpPr>
+        <a:xfrm>
+          <a:off x="0" y="0"/>
+          <a:ext cx="0" cy="0"/>
+          <a:chOff x="0" y="0"/>
+          <a:chExt cx="0" cy="0"/>
+        </a:xfrm>
+      </p:grpSpPr>
+      <p:sp>
+        <p:nvSpPr>
+          <p:cNvPr id="2" name="Titre 1"/>
+          <p:cNvSpPr>
+            <a:spLocks noGrp="1"/>
+          </p:cNvSpPr>
+          <p:nvPr>
+            <p:ph type="title"/>
+          </p:nvPr>
+        </p:nvSpPr>
+        <p:spPr/>
+        <p:txBody>
+          <a:bodyPr/>
+          <a:lstStyle/>
+          <a:p>
+            <a:r>
+              <a:rPr lang="fr-FR" b="1" dirty="0" smtClean="0"/>
+              <a:t>Flottant:</a:t>
+            </a:r>
+            <a:endParaRPr lang="fr-FR" dirty="0"/>
+          </a:p>
+        </p:txBody>
+      </p:sp>
+      <p:pic>
+        <p:nvPicPr>
+          <p:cNvPr id="3" name="Image 2"/>
+          <p:cNvPicPr>
+            <a:picLocks noChangeAspect="1"/>
+          </p:cNvPicPr>
+          <p:nvPr/>
+        </p:nvPicPr>
+        <p:blipFill>
+          <a:blip r:embed="rId2">
+            <a:extLst>
+              <a:ext uri="{28A0092B-C50C-407E-A947-70E740481C1C}">
+                <a14:useLocalDpi xmlns:a14="http://schemas.microsoft.com/office/drawing/2010/main" val="0"/>
+              </a:ext>
+            </a:extLst>
+          </a:blip>
+          <a:stretch>
+            <a:fillRect/>
+          </a:stretch>
+        </p:blipFill>
+        <p:spPr>
+          <a:xfrm>
+            <a:off x="902166" y="1591978"/>
+            <a:ext cx="10029362" cy="3861664"/>
+          </a:xfrm>
+          <a:prstGeom prst="rect">
+            <a:avLst/>
+          </a:prstGeom>
+        </p:spPr>
+      </p:pic>
+    </p:spTree>
+    <p:extLst>
+      <p:ext uri="{BB962C8B-B14F-4D97-AF65-F5344CB8AC3E}">
+        <p14:creationId xmlns:p14="http://schemas.microsoft.com/office/powerpoint/2010/main" val="2852469040"/>
+      </p:ext>
+    </p:extLst>
+  </p:cSld>
+  <p:clrMapOvr>
+    <a:masterClrMapping/>
+  </p:clrMapOvr>
+</p:sld>
+</file>
+
+<file path=ppt/slides/slide7.xml><?xml version="1.0" encoding="utf-8"?>
+<p:sld xmlns:a="http://schemas.openxmlformats.org/drawingml/2006/main" xmlns:r="http://schemas.openxmlformats.org/officeDocument/2006/relationships" xmlns:p="http://schemas.openxmlformats.org/presentationml/2006/main">
+  <p:cSld>
+    <p:spTree>
+      <p:nvGrpSpPr>
+        <p:cNvPr id="1" name=""/>
+        <p:cNvGrpSpPr/>
+        <p:nvPr/>
+      </p:nvGrpSpPr>
+      <p:grpSpPr>
+        <a:xfrm>
+          <a:off x="0" y="0"/>
+          <a:ext cx="0" cy="0"/>
+          <a:chOff x="0" y="0"/>
+          <a:chExt cx="0" cy="0"/>
+        </a:xfrm>
+      </p:grpSpPr>
+      <p:sp>
+        <p:nvSpPr>
+          <p:cNvPr id="2" name="Titre 1"/>
+          <p:cNvSpPr>
+            <a:spLocks noGrp="1"/>
+          </p:cNvSpPr>
+          <p:nvPr>
+            <p:ph type="title"/>
+          </p:nvPr>
+        </p:nvSpPr>
+        <p:spPr/>
+        <p:txBody>
+          <a:bodyPr/>
+          <a:lstStyle/>
+          <a:p>
+            <a:pPr lvl="0"/>
+            <a:r>
+              <a:rPr lang="fr-FR" b="1" dirty="0" err="1"/>
+              <a:t>Caractere</a:t>
+            </a:r>
+            <a:r>
+              <a:rPr lang="fr-FR" b="1" dirty="0"/>
+              <a:t> :</a:t>
+            </a:r>
+            <a:br>
+              <a:rPr lang="fr-FR" b="1" dirty="0"/>
+            </a:br>
+            <a:endParaRPr lang="fr-FR" dirty="0"/>
+          </a:p>
+        </p:txBody>
+      </p:sp>
+      <p:pic>
+        <p:nvPicPr>
+          <p:cNvPr id="3" name="Image 2"/>
+          <p:cNvPicPr>
+            <a:picLocks noChangeAspect="1"/>
+          </p:cNvPicPr>
+          <p:nvPr/>
+        </p:nvPicPr>
+        <p:blipFill>
+          <a:blip r:embed="rId2">
+            <a:extLst>
+              <a:ext uri="{28A0092B-C50C-407E-A947-70E740481C1C}">
+                <a14:useLocalDpi xmlns:a14="http://schemas.microsoft.com/office/drawing/2010/main" val="0"/>
+              </a:ext>
+            </a:extLst>
+          </a:blip>
+          <a:stretch>
+            <a:fillRect/>
+          </a:stretch>
+        </p:blipFill>
+        <p:spPr>
+          <a:xfrm>
+            <a:off x="226723" y="1343891"/>
+            <a:ext cx="11438803" cy="4765964"/>
+          </a:xfrm>
+          <a:prstGeom prst="rect">
+            <a:avLst/>
+          </a:prstGeom>
+        </p:spPr>
+      </p:pic>
+    </p:spTree>
+    <p:extLst>
+      <p:ext uri="{BB962C8B-B14F-4D97-AF65-F5344CB8AC3E}">
+        <p14:creationId xmlns:p14="http://schemas.microsoft.com/office/powerpoint/2010/main" val="2468247085"/>
+      </p:ext>
+    </p:extLst>
+  </p:cSld>
+  <p:clrMapOvr>
+    <a:masterClrMapping/>
+  </p:clrMapOvr>
+</p:sld>
+</file>
+
+<file path=ppt/slides/slide8.xml><?xml version="1.0" encoding="utf-8"?>
+<p:sld xmlns:a="http://schemas.openxmlformats.org/drawingml/2006/main" xmlns:r="http://schemas.openxmlformats.org/officeDocument/2006/relationships" xmlns:p="http://schemas.openxmlformats.org/presentationml/2006/main">
+  <p:cSld>
+    <p:spTree>
+      <p:nvGrpSpPr>
+        <p:cNvPr id="1" name=""/>
+        <p:cNvGrpSpPr/>
+        <p:nvPr/>
+      </p:nvGrpSpPr>
+      <p:grpSpPr>
+        <a:xfrm>
+          <a:off x="0" y="0"/>
+          <a:ext cx="0" cy="0"/>
+          <a:chOff x="0" y="0"/>
+          <a:chExt cx="0" cy="0"/>
+        </a:xfrm>
+      </p:grpSpPr>
+      <p:sp>
+        <p:nvSpPr>
+          <p:cNvPr id="2" name="Titre 1"/>
+          <p:cNvSpPr>
+            <a:spLocks noGrp="1"/>
+          </p:cNvSpPr>
+          <p:nvPr>
+            <p:ph type="title"/>
+          </p:nvPr>
+        </p:nvSpPr>
+        <p:spPr/>
+        <p:txBody>
+          <a:bodyPr/>
+          <a:lstStyle/>
+          <a:p>
+            <a:pPr lvl="0"/>
+            <a:r>
+              <a:rPr lang="fr-FR" b="1" dirty="0" err="1"/>
+              <a:t>Booleen</a:t>
+            </a:r>
+            <a:r>
+              <a:rPr lang="fr-FR" b="1" dirty="0"/>
+              <a:t> :</a:t>
+            </a:r>
+            <a:br>
+              <a:rPr lang="fr-FR" b="1" dirty="0"/>
+            </a:br>
+            <a:endParaRPr lang="fr-FR" dirty="0"/>
+          </a:p>
+        </p:txBody>
+      </p:sp>
+      <p:pic>
+        <p:nvPicPr>
+          <p:cNvPr id="3" name="Image 2"/>
+          <p:cNvPicPr>
+            <a:picLocks noChangeAspect="1"/>
+          </p:cNvPicPr>
+          <p:nvPr/>
+        </p:nvPicPr>
+        <p:blipFill>
+          <a:blip r:embed="rId2">
+            <a:extLst>
+              <a:ext uri="{28A0092B-C50C-407E-A947-70E740481C1C}">
+                <a14:useLocalDpi xmlns:a14="http://schemas.microsoft.com/office/drawing/2010/main" val="0"/>
+              </a:ext>
+            </a:extLst>
+          </a:blip>
+          <a:stretch>
+            <a:fillRect/>
+          </a:stretch>
+        </p:blipFill>
+        <p:spPr>
+          <a:xfrm>
+            <a:off x="312165" y="1468582"/>
+            <a:ext cx="11662490" cy="4792389"/>
+          </a:xfrm>
+          <a:prstGeom prst="rect">
+            <a:avLst/>
+          </a:prstGeom>
+          <a:solidFill>
+            <a:srgbClr val="FFFFFF">
+              <a:shade val="85000"/>
+            </a:srgbClr>
+          </a:solidFill>
+          <a:ln w="88900" cap="sq">
+            <a:solidFill>
+              <a:srgbClr val="FFFFFF"/>
+            </a:solidFill>
+            <a:miter lim="800000"/>
+          </a:ln>
+          <a:effectLst>
+            <a:outerShdw blurRad="55000" dist="18000" dir="5400000" algn="tl" rotWithShape="0">
+              <a:srgbClr val="000000">
+                <a:alpha val="40000"/>
+              </a:srgbClr>
+            </a:outerShdw>
+          </a:effectLst>
+          <a:scene3d>
+            <a:camera prst="orthographicFront"/>
+            <a:lightRig rig="twoPt" dir="t">
+              <a:rot lat="0" lon="0" rev="7200000"/>
+            </a:lightRig>
+          </a:scene3d>
+          <a:sp3d>
+            <a:bevelT w="25400" h="19050"/>
+            <a:contourClr>
+              <a:srgbClr val="FFFFFF"/>
+            </a:contourClr>
+          </a:sp3d>
+        </p:spPr>
+      </p:pic>
+    </p:spTree>
+    <p:extLst>
+      <p:ext uri="{BB962C8B-B14F-4D97-AF65-F5344CB8AC3E}">
+        <p14:creationId xmlns:p14="http://schemas.microsoft.com/office/powerpoint/2010/main" val="1174984347"/>
       </p:ext>
     </p:extLst>
   </p:cSld>
@@ -4287,7 +4696,7 @@
     </a:clrScheme>
     <a:fontScheme name="Office">
       <a:majorFont>
-        <a:latin typeface="Calibri Light" panose="020F0302020204030204"/>
+        <a:latin typeface="Calibri Light"/>
         <a:ea typeface=""/>
         <a:cs typeface=""/>
         <a:font script="Jpan" typeface="游ゴシック Light"/>
@@ -4339,7 +4748,7 @@
         <a:font script="Tfng" typeface="Ebrima"/>
       </a:majorFont>
       <a:minorFont>
-        <a:latin typeface="Calibri" panose="020F0502020204030204"/>
+        <a:latin typeface="Calibri"/>
         <a:ea typeface=""/>
         <a:cs typeface=""/>
         <a:font script="Jpan" typeface="游ゴシック"/>
@@ -4533,7 +4942,7 @@
   <a:extraClrSchemeLst/>
   <a:extLst>
     <a:ext uri="{05A4C25C-085E-4340-85A3-A5531E510DB2}">
-      <thm15:themeFamily xmlns:thm15="http://schemas.microsoft.com/office/thememl/2012/main" name="Office Theme" id="{62F939B6-93AF-4DB8-9C6B-D6C7DFDC589F}" vid="{4A3C46E8-61CC-4603-A589-7422A47A8E4A}"/>
+      <thm15:themeFamily xmlns:thm15="http://schemas.microsoft.com/office/thememl/2012/main" xmlns="" name="Office Theme" id="{62F939B6-93AF-4DB8-9C6B-D6C7DFDC589F}" vid="{4A3C46E8-61CC-4603-A589-7422A47A8E4A}"/>
     </a:ext>
   </a:extLst>
 </a:theme>
